--- a/ppt 16-9/0575.神妙慈爱.pptx
+++ b/ppt 16-9/0575.神妙慈爱.pptx
@@ -129,7 +129,7 @@
           <p:cNvPr id="2" name="标题 1">
             <a:extLst>
               <a:ext uri="{FF2B5EF4-FFF2-40B4-BE49-F238E27FC236}">
-                <a16:creationId xmlns:a16="http://schemas.microsoft.com/office/drawing/2014/main" id="{7CCAB9DB-0388-8A56-FAA2-482E35A99649}"/>
+                <a16:creationId xmlns:a16="http://schemas.microsoft.com/office/drawing/2014/main" id="{23D05CBE-C56B-0D49-1471-2E72C50C6341}"/>
               </a:ext>
             </a:extLst>
           </p:cNvPr>
@@ -166,7 +166,7 @@
           <p:cNvPr id="3" name="副标题 2">
             <a:extLst>
               <a:ext uri="{FF2B5EF4-FFF2-40B4-BE49-F238E27FC236}">
-                <a16:creationId xmlns:a16="http://schemas.microsoft.com/office/drawing/2014/main" id="{C949D42A-4A1D-CBD3-DF01-121B0E4BC28D}"/>
+                <a16:creationId xmlns:a16="http://schemas.microsoft.com/office/drawing/2014/main" id="{DD76F02E-D737-66FB-871B-C00BDF81455E}"/>
               </a:ext>
             </a:extLst>
           </p:cNvPr>
@@ -236,7 +236,7 @@
           <p:cNvPr id="4" name="日期占位符 3">
             <a:extLst>
               <a:ext uri="{FF2B5EF4-FFF2-40B4-BE49-F238E27FC236}">
-                <a16:creationId xmlns:a16="http://schemas.microsoft.com/office/drawing/2014/main" id="{9936703D-7A81-639C-F53D-4B20C4A173A1}"/>
+                <a16:creationId xmlns:a16="http://schemas.microsoft.com/office/drawing/2014/main" id="{2A534931-4F8C-4700-2DA4-1C1D550F9FB3}"/>
               </a:ext>
             </a:extLst>
           </p:cNvPr>
@@ -252,7 +252,7 @@
           <a:bodyPr/>
           <a:lstStyle/>
           <a:p>
-            <a:fld id="{756EEDF2-FE64-4632-8FE5-BDA38F889073}" type="datetimeFigureOut">
+            <a:fld id="{84A8B8A1-B28A-475D-B109-B4AE43F85810}" type="datetimeFigureOut">
               <a:rPr lang="zh-CN" altLang="en-US" smtClean="0"/>
               <a:t>2024/3/10</a:t>
             </a:fld>
@@ -265,7 +265,7 @@
           <p:cNvPr id="5" name="页脚占位符 4">
             <a:extLst>
               <a:ext uri="{FF2B5EF4-FFF2-40B4-BE49-F238E27FC236}">
-                <a16:creationId xmlns:a16="http://schemas.microsoft.com/office/drawing/2014/main" id="{C2DBD01D-0CB9-56CE-B0FB-2828526DAD18}"/>
+                <a16:creationId xmlns:a16="http://schemas.microsoft.com/office/drawing/2014/main" id="{8C25FBAB-2583-DB9B-DC51-BBB6F01D796E}"/>
               </a:ext>
             </a:extLst>
           </p:cNvPr>
@@ -290,7 +290,7 @@
           <p:cNvPr id="6" name="灯片编号占位符 5">
             <a:extLst>
               <a:ext uri="{FF2B5EF4-FFF2-40B4-BE49-F238E27FC236}">
-                <a16:creationId xmlns:a16="http://schemas.microsoft.com/office/drawing/2014/main" id="{9B761235-399D-049D-8E0F-80A66CB2F998}"/>
+                <a16:creationId xmlns:a16="http://schemas.microsoft.com/office/drawing/2014/main" id="{51DF10BC-4FA5-AFE3-FD2E-AA332941A3B0}"/>
               </a:ext>
             </a:extLst>
           </p:cNvPr>
@@ -306,7 +306,7 @@
           <a:bodyPr/>
           <a:lstStyle/>
           <a:p>
-            <a:fld id="{80F40D13-DF5A-4B1F-A1FE-70350B806AB5}" type="slidenum">
+            <a:fld id="{C4B087D0-0B81-4C96-94E8-CF0D286E46A6}" type="slidenum">
               <a:rPr lang="zh-CN" altLang="en-US" smtClean="0"/>
               <a:t>‹#›</a:t>
             </a:fld>
@@ -317,7 +317,7 @@
     </p:spTree>
     <p:extLst>
       <p:ext uri="{BB962C8B-B14F-4D97-AF65-F5344CB8AC3E}">
-        <p14:creationId xmlns:p14="http://schemas.microsoft.com/office/powerpoint/2010/main" val="1614292300"/>
+        <p14:creationId xmlns:p14="http://schemas.microsoft.com/office/powerpoint/2010/main" val="3449917190"/>
       </p:ext>
     </p:extLst>
   </p:cSld>
@@ -349,7 +349,7 @@
           <p:cNvPr id="2" name="标题 1">
             <a:extLst>
               <a:ext uri="{FF2B5EF4-FFF2-40B4-BE49-F238E27FC236}">
-                <a16:creationId xmlns:a16="http://schemas.microsoft.com/office/drawing/2014/main" id="{52F7327F-8408-E602-6A1D-B8C48F83CCEF}"/>
+                <a16:creationId xmlns:a16="http://schemas.microsoft.com/office/drawing/2014/main" id="{68ABC51E-1814-C6B2-785B-118A12D14774}"/>
               </a:ext>
             </a:extLst>
           </p:cNvPr>
@@ -377,7 +377,7 @@
           <p:cNvPr id="3" name="竖排文字占位符 2">
             <a:extLst>
               <a:ext uri="{FF2B5EF4-FFF2-40B4-BE49-F238E27FC236}">
-                <a16:creationId xmlns:a16="http://schemas.microsoft.com/office/drawing/2014/main" id="{5EF1734A-7F1E-C716-31A2-79D9BE88112D}"/>
+                <a16:creationId xmlns:a16="http://schemas.microsoft.com/office/drawing/2014/main" id="{3BAF17E7-6C93-2D88-3B8E-FDAFF457B3CB}"/>
               </a:ext>
             </a:extLst>
           </p:cNvPr>
@@ -434,7 +434,7 @@
           <p:cNvPr id="4" name="日期占位符 3">
             <a:extLst>
               <a:ext uri="{FF2B5EF4-FFF2-40B4-BE49-F238E27FC236}">
-                <a16:creationId xmlns:a16="http://schemas.microsoft.com/office/drawing/2014/main" id="{0C519B3E-6E82-87F6-F9F8-2BEDED0979DB}"/>
+                <a16:creationId xmlns:a16="http://schemas.microsoft.com/office/drawing/2014/main" id="{D82AACE9-E38F-F6BD-401F-0B20FCFEC3D7}"/>
               </a:ext>
             </a:extLst>
           </p:cNvPr>
@@ -450,7 +450,7 @@
           <a:bodyPr/>
           <a:lstStyle/>
           <a:p>
-            <a:fld id="{756EEDF2-FE64-4632-8FE5-BDA38F889073}" type="datetimeFigureOut">
+            <a:fld id="{84A8B8A1-B28A-475D-B109-B4AE43F85810}" type="datetimeFigureOut">
               <a:rPr lang="zh-CN" altLang="en-US" smtClean="0"/>
               <a:t>2024/3/10</a:t>
             </a:fld>
@@ -463,7 +463,7 @@
           <p:cNvPr id="5" name="页脚占位符 4">
             <a:extLst>
               <a:ext uri="{FF2B5EF4-FFF2-40B4-BE49-F238E27FC236}">
-                <a16:creationId xmlns:a16="http://schemas.microsoft.com/office/drawing/2014/main" id="{9B9A5FE6-B09A-4801-9858-9C657DAB5005}"/>
+                <a16:creationId xmlns:a16="http://schemas.microsoft.com/office/drawing/2014/main" id="{74BC7B1E-E428-C653-ECF6-B981C062CEC2}"/>
               </a:ext>
             </a:extLst>
           </p:cNvPr>
@@ -488,7 +488,7 @@
           <p:cNvPr id="6" name="灯片编号占位符 5">
             <a:extLst>
               <a:ext uri="{FF2B5EF4-FFF2-40B4-BE49-F238E27FC236}">
-                <a16:creationId xmlns:a16="http://schemas.microsoft.com/office/drawing/2014/main" id="{65D6B66F-357D-567C-D64A-C7EED067B53D}"/>
+                <a16:creationId xmlns:a16="http://schemas.microsoft.com/office/drawing/2014/main" id="{80F5BDAE-68AC-1AAE-0C25-7993994A249D}"/>
               </a:ext>
             </a:extLst>
           </p:cNvPr>
@@ -504,7 +504,7 @@
           <a:bodyPr/>
           <a:lstStyle/>
           <a:p>
-            <a:fld id="{80F40D13-DF5A-4B1F-A1FE-70350B806AB5}" type="slidenum">
+            <a:fld id="{C4B087D0-0B81-4C96-94E8-CF0D286E46A6}" type="slidenum">
               <a:rPr lang="zh-CN" altLang="en-US" smtClean="0"/>
               <a:t>‹#›</a:t>
             </a:fld>
@@ -515,7 +515,7 @@
     </p:spTree>
     <p:extLst>
       <p:ext uri="{BB962C8B-B14F-4D97-AF65-F5344CB8AC3E}">
-        <p14:creationId xmlns:p14="http://schemas.microsoft.com/office/powerpoint/2010/main" val="1618490059"/>
+        <p14:creationId xmlns:p14="http://schemas.microsoft.com/office/powerpoint/2010/main" val="1630905358"/>
       </p:ext>
     </p:extLst>
   </p:cSld>
@@ -547,7 +547,7 @@
           <p:cNvPr id="2" name="竖排标题 1">
             <a:extLst>
               <a:ext uri="{FF2B5EF4-FFF2-40B4-BE49-F238E27FC236}">
-                <a16:creationId xmlns:a16="http://schemas.microsoft.com/office/drawing/2014/main" id="{5D7DC18E-3BD3-7A04-621F-AE9F9910AF38}"/>
+                <a16:creationId xmlns:a16="http://schemas.microsoft.com/office/drawing/2014/main" id="{70472801-1154-80B2-39D3-10D4807723AB}"/>
               </a:ext>
             </a:extLst>
           </p:cNvPr>
@@ -580,7 +580,7 @@
           <p:cNvPr id="3" name="竖排文字占位符 2">
             <a:extLst>
               <a:ext uri="{FF2B5EF4-FFF2-40B4-BE49-F238E27FC236}">
-                <a16:creationId xmlns:a16="http://schemas.microsoft.com/office/drawing/2014/main" id="{BAA3B952-2426-2245-7CAE-972F63ACE5B0}"/>
+                <a16:creationId xmlns:a16="http://schemas.microsoft.com/office/drawing/2014/main" id="{9FAF17D5-6B22-A0D1-8938-DFC6D309B264}"/>
               </a:ext>
             </a:extLst>
           </p:cNvPr>
@@ -642,7 +642,7 @@
           <p:cNvPr id="4" name="日期占位符 3">
             <a:extLst>
               <a:ext uri="{FF2B5EF4-FFF2-40B4-BE49-F238E27FC236}">
-                <a16:creationId xmlns:a16="http://schemas.microsoft.com/office/drawing/2014/main" id="{E88B06D6-BDC9-CC11-DD9C-A6B2D7A60997}"/>
+                <a16:creationId xmlns:a16="http://schemas.microsoft.com/office/drawing/2014/main" id="{99621096-47F1-14B0-1ED3-383E5C05DE51}"/>
               </a:ext>
             </a:extLst>
           </p:cNvPr>
@@ -658,7 +658,7 @@
           <a:bodyPr/>
           <a:lstStyle/>
           <a:p>
-            <a:fld id="{756EEDF2-FE64-4632-8FE5-BDA38F889073}" type="datetimeFigureOut">
+            <a:fld id="{84A8B8A1-B28A-475D-B109-B4AE43F85810}" type="datetimeFigureOut">
               <a:rPr lang="zh-CN" altLang="en-US" smtClean="0"/>
               <a:t>2024/3/10</a:t>
             </a:fld>
@@ -671,7 +671,7 @@
           <p:cNvPr id="5" name="页脚占位符 4">
             <a:extLst>
               <a:ext uri="{FF2B5EF4-FFF2-40B4-BE49-F238E27FC236}">
-                <a16:creationId xmlns:a16="http://schemas.microsoft.com/office/drawing/2014/main" id="{6B4B6A2B-FE5D-1247-A61A-1DADB35A0136}"/>
+                <a16:creationId xmlns:a16="http://schemas.microsoft.com/office/drawing/2014/main" id="{B1A54ABD-0567-CFB2-5C63-8A5054F6FF64}"/>
               </a:ext>
             </a:extLst>
           </p:cNvPr>
@@ -696,7 +696,7 @@
           <p:cNvPr id="6" name="灯片编号占位符 5">
             <a:extLst>
               <a:ext uri="{FF2B5EF4-FFF2-40B4-BE49-F238E27FC236}">
-                <a16:creationId xmlns:a16="http://schemas.microsoft.com/office/drawing/2014/main" id="{C9DEE439-ECFD-0D3F-6E80-180CED10359F}"/>
+                <a16:creationId xmlns:a16="http://schemas.microsoft.com/office/drawing/2014/main" id="{81B2922B-E61C-4225-00A3-1D70B1D9D961}"/>
               </a:ext>
             </a:extLst>
           </p:cNvPr>
@@ -712,7 +712,7 @@
           <a:bodyPr/>
           <a:lstStyle/>
           <a:p>
-            <a:fld id="{80F40D13-DF5A-4B1F-A1FE-70350B806AB5}" type="slidenum">
+            <a:fld id="{C4B087D0-0B81-4C96-94E8-CF0D286E46A6}" type="slidenum">
               <a:rPr lang="zh-CN" altLang="en-US" smtClean="0"/>
               <a:t>‹#›</a:t>
             </a:fld>
@@ -723,7 +723,7 @@
     </p:spTree>
     <p:extLst>
       <p:ext uri="{BB962C8B-B14F-4D97-AF65-F5344CB8AC3E}">
-        <p14:creationId xmlns:p14="http://schemas.microsoft.com/office/powerpoint/2010/main" val="2081983067"/>
+        <p14:creationId xmlns:p14="http://schemas.microsoft.com/office/powerpoint/2010/main" val="2748442506"/>
       </p:ext>
     </p:extLst>
   </p:cSld>
@@ -755,7 +755,7 @@
           <p:cNvPr id="2" name="标题 1">
             <a:extLst>
               <a:ext uri="{FF2B5EF4-FFF2-40B4-BE49-F238E27FC236}">
-                <a16:creationId xmlns:a16="http://schemas.microsoft.com/office/drawing/2014/main" id="{F15BD05B-4B90-FF8F-7218-0F79F28D7B23}"/>
+                <a16:creationId xmlns:a16="http://schemas.microsoft.com/office/drawing/2014/main" id="{63E1708F-8B20-A4BE-ED11-17F406EA510D}"/>
               </a:ext>
             </a:extLst>
           </p:cNvPr>
@@ -783,7 +783,7 @@
           <p:cNvPr id="3" name="内容占位符 2">
             <a:extLst>
               <a:ext uri="{FF2B5EF4-FFF2-40B4-BE49-F238E27FC236}">
-                <a16:creationId xmlns:a16="http://schemas.microsoft.com/office/drawing/2014/main" id="{F766FF2E-7783-F924-343E-996FC8D637CA}"/>
+                <a16:creationId xmlns:a16="http://schemas.microsoft.com/office/drawing/2014/main" id="{F811019B-55EC-5547-F31C-C1E3E6D25431}"/>
               </a:ext>
             </a:extLst>
           </p:cNvPr>
@@ -840,7 +840,7 @@
           <p:cNvPr id="4" name="日期占位符 3">
             <a:extLst>
               <a:ext uri="{FF2B5EF4-FFF2-40B4-BE49-F238E27FC236}">
-                <a16:creationId xmlns:a16="http://schemas.microsoft.com/office/drawing/2014/main" id="{32F45571-E92A-9C19-0A1C-52D3AA1764FE}"/>
+                <a16:creationId xmlns:a16="http://schemas.microsoft.com/office/drawing/2014/main" id="{13839240-2DAA-A79D-5A54-42024A0F7A54}"/>
               </a:ext>
             </a:extLst>
           </p:cNvPr>
@@ -856,7 +856,7 @@
           <a:bodyPr/>
           <a:lstStyle/>
           <a:p>
-            <a:fld id="{756EEDF2-FE64-4632-8FE5-BDA38F889073}" type="datetimeFigureOut">
+            <a:fld id="{84A8B8A1-B28A-475D-B109-B4AE43F85810}" type="datetimeFigureOut">
               <a:rPr lang="zh-CN" altLang="en-US" smtClean="0"/>
               <a:t>2024/3/10</a:t>
             </a:fld>
@@ -869,7 +869,7 @@
           <p:cNvPr id="5" name="页脚占位符 4">
             <a:extLst>
               <a:ext uri="{FF2B5EF4-FFF2-40B4-BE49-F238E27FC236}">
-                <a16:creationId xmlns:a16="http://schemas.microsoft.com/office/drawing/2014/main" id="{896FC753-6C51-D1D1-C609-8507E7213973}"/>
+                <a16:creationId xmlns:a16="http://schemas.microsoft.com/office/drawing/2014/main" id="{F99F977E-148C-887A-D034-68E48EFABF42}"/>
               </a:ext>
             </a:extLst>
           </p:cNvPr>
@@ -894,7 +894,7 @@
           <p:cNvPr id="6" name="灯片编号占位符 5">
             <a:extLst>
               <a:ext uri="{FF2B5EF4-FFF2-40B4-BE49-F238E27FC236}">
-                <a16:creationId xmlns:a16="http://schemas.microsoft.com/office/drawing/2014/main" id="{B3F1231D-7988-C0EC-6063-AE3E842F868A}"/>
+                <a16:creationId xmlns:a16="http://schemas.microsoft.com/office/drawing/2014/main" id="{9EFC2D98-89C9-7B65-8995-41BD9BD3F0A0}"/>
               </a:ext>
             </a:extLst>
           </p:cNvPr>
@@ -910,7 +910,7 @@
           <a:bodyPr/>
           <a:lstStyle/>
           <a:p>
-            <a:fld id="{80F40D13-DF5A-4B1F-A1FE-70350B806AB5}" type="slidenum">
+            <a:fld id="{C4B087D0-0B81-4C96-94E8-CF0D286E46A6}" type="slidenum">
               <a:rPr lang="zh-CN" altLang="en-US" smtClean="0"/>
               <a:t>‹#›</a:t>
             </a:fld>
@@ -921,7 +921,7 @@
     </p:spTree>
     <p:extLst>
       <p:ext uri="{BB962C8B-B14F-4D97-AF65-F5344CB8AC3E}">
-        <p14:creationId xmlns:p14="http://schemas.microsoft.com/office/powerpoint/2010/main" val="1129487450"/>
+        <p14:creationId xmlns:p14="http://schemas.microsoft.com/office/powerpoint/2010/main" val="1641308242"/>
       </p:ext>
     </p:extLst>
   </p:cSld>
@@ -953,7 +953,7 @@
           <p:cNvPr id="2" name="标题 1">
             <a:extLst>
               <a:ext uri="{FF2B5EF4-FFF2-40B4-BE49-F238E27FC236}">
-                <a16:creationId xmlns:a16="http://schemas.microsoft.com/office/drawing/2014/main" id="{2673A81B-9E07-862F-7A6B-11BBB53F2494}"/>
+                <a16:creationId xmlns:a16="http://schemas.microsoft.com/office/drawing/2014/main" id="{011DAC36-3176-7455-44FE-8A5E90F7790B}"/>
               </a:ext>
             </a:extLst>
           </p:cNvPr>
@@ -990,7 +990,7 @@
           <p:cNvPr id="3" name="文本占位符 2">
             <a:extLst>
               <a:ext uri="{FF2B5EF4-FFF2-40B4-BE49-F238E27FC236}">
-                <a16:creationId xmlns:a16="http://schemas.microsoft.com/office/drawing/2014/main" id="{99E6676A-DA8E-C936-A490-DB4C7EF77229}"/>
+                <a16:creationId xmlns:a16="http://schemas.microsoft.com/office/drawing/2014/main" id="{561CAD86-96BA-6478-1C5C-BBA3C7D8F1C9}"/>
               </a:ext>
             </a:extLst>
           </p:cNvPr>
@@ -1115,7 +1115,7 @@
           <p:cNvPr id="4" name="日期占位符 3">
             <a:extLst>
               <a:ext uri="{FF2B5EF4-FFF2-40B4-BE49-F238E27FC236}">
-                <a16:creationId xmlns:a16="http://schemas.microsoft.com/office/drawing/2014/main" id="{417045AA-7DDB-43BE-B97B-51D3DA84106C}"/>
+                <a16:creationId xmlns:a16="http://schemas.microsoft.com/office/drawing/2014/main" id="{0425DD77-B188-4B57-9B06-4FE897D94F72}"/>
               </a:ext>
             </a:extLst>
           </p:cNvPr>
@@ -1131,7 +1131,7 @@
           <a:bodyPr/>
           <a:lstStyle/>
           <a:p>
-            <a:fld id="{756EEDF2-FE64-4632-8FE5-BDA38F889073}" type="datetimeFigureOut">
+            <a:fld id="{84A8B8A1-B28A-475D-B109-B4AE43F85810}" type="datetimeFigureOut">
               <a:rPr lang="zh-CN" altLang="en-US" smtClean="0"/>
               <a:t>2024/3/10</a:t>
             </a:fld>
@@ -1144,7 +1144,7 @@
           <p:cNvPr id="5" name="页脚占位符 4">
             <a:extLst>
               <a:ext uri="{FF2B5EF4-FFF2-40B4-BE49-F238E27FC236}">
-                <a16:creationId xmlns:a16="http://schemas.microsoft.com/office/drawing/2014/main" id="{A6A1B59C-6643-FE7C-4905-2CCCDE440144}"/>
+                <a16:creationId xmlns:a16="http://schemas.microsoft.com/office/drawing/2014/main" id="{8F165880-3979-81A6-CE17-B01805DC4C0E}"/>
               </a:ext>
             </a:extLst>
           </p:cNvPr>
@@ -1169,7 +1169,7 @@
           <p:cNvPr id="6" name="灯片编号占位符 5">
             <a:extLst>
               <a:ext uri="{FF2B5EF4-FFF2-40B4-BE49-F238E27FC236}">
-                <a16:creationId xmlns:a16="http://schemas.microsoft.com/office/drawing/2014/main" id="{AD1B8207-4E68-5905-CC75-42AFAC88210B}"/>
+                <a16:creationId xmlns:a16="http://schemas.microsoft.com/office/drawing/2014/main" id="{52A4650A-8738-C65E-1A9D-5F24A194AC75}"/>
               </a:ext>
             </a:extLst>
           </p:cNvPr>
@@ -1185,7 +1185,7 @@
           <a:bodyPr/>
           <a:lstStyle/>
           <a:p>
-            <a:fld id="{80F40D13-DF5A-4B1F-A1FE-70350B806AB5}" type="slidenum">
+            <a:fld id="{C4B087D0-0B81-4C96-94E8-CF0D286E46A6}" type="slidenum">
               <a:rPr lang="zh-CN" altLang="en-US" smtClean="0"/>
               <a:t>‹#›</a:t>
             </a:fld>
@@ -1196,7 +1196,7 @@
     </p:spTree>
     <p:extLst>
       <p:ext uri="{BB962C8B-B14F-4D97-AF65-F5344CB8AC3E}">
-        <p14:creationId xmlns:p14="http://schemas.microsoft.com/office/powerpoint/2010/main" val="1227875159"/>
+        <p14:creationId xmlns:p14="http://schemas.microsoft.com/office/powerpoint/2010/main" val="1234055854"/>
       </p:ext>
     </p:extLst>
   </p:cSld>
@@ -1228,7 +1228,7 @@
           <p:cNvPr id="2" name="标题 1">
             <a:extLst>
               <a:ext uri="{FF2B5EF4-FFF2-40B4-BE49-F238E27FC236}">
-                <a16:creationId xmlns:a16="http://schemas.microsoft.com/office/drawing/2014/main" id="{3095CFB4-0118-14D3-C6BA-B3D568C2DB09}"/>
+                <a16:creationId xmlns:a16="http://schemas.microsoft.com/office/drawing/2014/main" id="{26026005-DE88-73C2-CB82-ADB2C250EB2B}"/>
               </a:ext>
             </a:extLst>
           </p:cNvPr>
@@ -1256,7 +1256,7 @@
           <p:cNvPr id="3" name="内容占位符 2">
             <a:extLst>
               <a:ext uri="{FF2B5EF4-FFF2-40B4-BE49-F238E27FC236}">
-                <a16:creationId xmlns:a16="http://schemas.microsoft.com/office/drawing/2014/main" id="{C7B017AF-5153-1092-A6BF-0D47DD9FF23E}"/>
+                <a16:creationId xmlns:a16="http://schemas.microsoft.com/office/drawing/2014/main" id="{2157B9AA-0105-9523-436F-55BCF855C8E6}"/>
               </a:ext>
             </a:extLst>
           </p:cNvPr>
@@ -1318,7 +1318,7 @@
           <p:cNvPr id="4" name="内容占位符 3">
             <a:extLst>
               <a:ext uri="{FF2B5EF4-FFF2-40B4-BE49-F238E27FC236}">
-                <a16:creationId xmlns:a16="http://schemas.microsoft.com/office/drawing/2014/main" id="{A71F72A1-CE38-F933-BCE4-961A2293CD2E}"/>
+                <a16:creationId xmlns:a16="http://schemas.microsoft.com/office/drawing/2014/main" id="{86CE3DC5-43FF-81F9-E864-8EA27E97CF6C}"/>
               </a:ext>
             </a:extLst>
           </p:cNvPr>
@@ -1380,7 +1380,7 @@
           <p:cNvPr id="5" name="日期占位符 4">
             <a:extLst>
               <a:ext uri="{FF2B5EF4-FFF2-40B4-BE49-F238E27FC236}">
-                <a16:creationId xmlns:a16="http://schemas.microsoft.com/office/drawing/2014/main" id="{DD3BA3FA-D240-B1CB-D867-346EE57976F9}"/>
+                <a16:creationId xmlns:a16="http://schemas.microsoft.com/office/drawing/2014/main" id="{0FE110D6-482D-BBF1-A32F-B0C4CE704E1F}"/>
               </a:ext>
             </a:extLst>
           </p:cNvPr>
@@ -1396,7 +1396,7 @@
           <a:bodyPr/>
           <a:lstStyle/>
           <a:p>
-            <a:fld id="{756EEDF2-FE64-4632-8FE5-BDA38F889073}" type="datetimeFigureOut">
+            <a:fld id="{84A8B8A1-B28A-475D-B109-B4AE43F85810}" type="datetimeFigureOut">
               <a:rPr lang="zh-CN" altLang="en-US" smtClean="0"/>
               <a:t>2024/3/10</a:t>
             </a:fld>
@@ -1409,7 +1409,7 @@
           <p:cNvPr id="6" name="页脚占位符 5">
             <a:extLst>
               <a:ext uri="{FF2B5EF4-FFF2-40B4-BE49-F238E27FC236}">
-                <a16:creationId xmlns:a16="http://schemas.microsoft.com/office/drawing/2014/main" id="{3466B4EC-8C39-EED1-0F66-2C89483D1068}"/>
+                <a16:creationId xmlns:a16="http://schemas.microsoft.com/office/drawing/2014/main" id="{FCE34098-D9A5-54F0-DB7F-8799EDD7A4B0}"/>
               </a:ext>
             </a:extLst>
           </p:cNvPr>
@@ -1434,7 +1434,7 @@
           <p:cNvPr id="7" name="灯片编号占位符 6">
             <a:extLst>
               <a:ext uri="{FF2B5EF4-FFF2-40B4-BE49-F238E27FC236}">
-                <a16:creationId xmlns:a16="http://schemas.microsoft.com/office/drawing/2014/main" id="{C3E20168-05CD-AA47-8ED8-202C7F86AA1C}"/>
+                <a16:creationId xmlns:a16="http://schemas.microsoft.com/office/drawing/2014/main" id="{38BCCF6A-3658-5D7B-4CBB-27CC529CDF61}"/>
               </a:ext>
             </a:extLst>
           </p:cNvPr>
@@ -1450,7 +1450,7 @@
           <a:bodyPr/>
           <a:lstStyle/>
           <a:p>
-            <a:fld id="{80F40D13-DF5A-4B1F-A1FE-70350B806AB5}" type="slidenum">
+            <a:fld id="{C4B087D0-0B81-4C96-94E8-CF0D286E46A6}" type="slidenum">
               <a:rPr lang="zh-CN" altLang="en-US" smtClean="0"/>
               <a:t>‹#›</a:t>
             </a:fld>
@@ -1461,7 +1461,7 @@
     </p:spTree>
     <p:extLst>
       <p:ext uri="{BB962C8B-B14F-4D97-AF65-F5344CB8AC3E}">
-        <p14:creationId xmlns:p14="http://schemas.microsoft.com/office/powerpoint/2010/main" val="2892754229"/>
+        <p14:creationId xmlns:p14="http://schemas.microsoft.com/office/powerpoint/2010/main" val="435459657"/>
       </p:ext>
     </p:extLst>
   </p:cSld>
@@ -1493,7 +1493,7 @@
           <p:cNvPr id="2" name="标题 1">
             <a:extLst>
               <a:ext uri="{FF2B5EF4-FFF2-40B4-BE49-F238E27FC236}">
-                <a16:creationId xmlns:a16="http://schemas.microsoft.com/office/drawing/2014/main" id="{00D1C8D5-D031-A9CF-C05B-FD59183E61E7}"/>
+                <a16:creationId xmlns:a16="http://schemas.microsoft.com/office/drawing/2014/main" id="{EC504645-F0B3-8D0E-02B3-CB56DB8FEA55}"/>
               </a:ext>
             </a:extLst>
           </p:cNvPr>
@@ -1526,7 +1526,7 @@
           <p:cNvPr id="3" name="文本占位符 2">
             <a:extLst>
               <a:ext uri="{FF2B5EF4-FFF2-40B4-BE49-F238E27FC236}">
-                <a16:creationId xmlns:a16="http://schemas.microsoft.com/office/drawing/2014/main" id="{D21A9553-FE9B-D157-1167-FE7352834575}"/>
+                <a16:creationId xmlns:a16="http://schemas.microsoft.com/office/drawing/2014/main" id="{534EF570-116F-60A2-DD70-F37CDB0663E6}"/>
               </a:ext>
             </a:extLst>
           </p:cNvPr>
@@ -1597,7 +1597,7 @@
           <p:cNvPr id="4" name="内容占位符 3">
             <a:extLst>
               <a:ext uri="{FF2B5EF4-FFF2-40B4-BE49-F238E27FC236}">
-                <a16:creationId xmlns:a16="http://schemas.microsoft.com/office/drawing/2014/main" id="{E611265A-B942-DDC5-5C75-8B8F71407323}"/>
+                <a16:creationId xmlns:a16="http://schemas.microsoft.com/office/drawing/2014/main" id="{C4471889-65F0-C402-4B40-0A8555653B07}"/>
               </a:ext>
             </a:extLst>
           </p:cNvPr>
@@ -1659,7 +1659,7 @@
           <p:cNvPr id="5" name="文本占位符 4">
             <a:extLst>
               <a:ext uri="{FF2B5EF4-FFF2-40B4-BE49-F238E27FC236}">
-                <a16:creationId xmlns:a16="http://schemas.microsoft.com/office/drawing/2014/main" id="{5CDD9622-A63D-9E19-C66C-C8B53E71B35B}"/>
+                <a16:creationId xmlns:a16="http://schemas.microsoft.com/office/drawing/2014/main" id="{8550194F-45EF-2C4A-D29B-ECDF378501C9}"/>
               </a:ext>
             </a:extLst>
           </p:cNvPr>
@@ -1730,7 +1730,7 @@
           <p:cNvPr id="6" name="内容占位符 5">
             <a:extLst>
               <a:ext uri="{FF2B5EF4-FFF2-40B4-BE49-F238E27FC236}">
-                <a16:creationId xmlns:a16="http://schemas.microsoft.com/office/drawing/2014/main" id="{C8B565AF-2F6D-92C5-1DA1-866BBB249EF5}"/>
+                <a16:creationId xmlns:a16="http://schemas.microsoft.com/office/drawing/2014/main" id="{51724FAF-63F8-192C-1C2C-5C0D5CE2B2CA}"/>
               </a:ext>
             </a:extLst>
           </p:cNvPr>
@@ -1792,7 +1792,7 @@
           <p:cNvPr id="7" name="日期占位符 6">
             <a:extLst>
               <a:ext uri="{FF2B5EF4-FFF2-40B4-BE49-F238E27FC236}">
-                <a16:creationId xmlns:a16="http://schemas.microsoft.com/office/drawing/2014/main" id="{68DD2BFA-13C8-1C61-4227-B6F83D03EE90}"/>
+                <a16:creationId xmlns:a16="http://schemas.microsoft.com/office/drawing/2014/main" id="{E0084903-8D0E-B7FF-811F-3D4AABDF1E79}"/>
               </a:ext>
             </a:extLst>
           </p:cNvPr>
@@ -1808,7 +1808,7 @@
           <a:bodyPr/>
           <a:lstStyle/>
           <a:p>
-            <a:fld id="{756EEDF2-FE64-4632-8FE5-BDA38F889073}" type="datetimeFigureOut">
+            <a:fld id="{84A8B8A1-B28A-475D-B109-B4AE43F85810}" type="datetimeFigureOut">
               <a:rPr lang="zh-CN" altLang="en-US" smtClean="0"/>
               <a:t>2024/3/10</a:t>
             </a:fld>
@@ -1821,7 +1821,7 @@
           <p:cNvPr id="8" name="页脚占位符 7">
             <a:extLst>
               <a:ext uri="{FF2B5EF4-FFF2-40B4-BE49-F238E27FC236}">
-                <a16:creationId xmlns:a16="http://schemas.microsoft.com/office/drawing/2014/main" id="{5CA87E6B-5E36-F910-6BDA-0C533465F64F}"/>
+                <a16:creationId xmlns:a16="http://schemas.microsoft.com/office/drawing/2014/main" id="{3D81DA33-F100-E89F-0685-0E7A604B8858}"/>
               </a:ext>
             </a:extLst>
           </p:cNvPr>
@@ -1846,7 +1846,7 @@
           <p:cNvPr id="9" name="灯片编号占位符 8">
             <a:extLst>
               <a:ext uri="{FF2B5EF4-FFF2-40B4-BE49-F238E27FC236}">
-                <a16:creationId xmlns:a16="http://schemas.microsoft.com/office/drawing/2014/main" id="{5B46648E-C841-E19B-E36A-D302C6998B9D}"/>
+                <a16:creationId xmlns:a16="http://schemas.microsoft.com/office/drawing/2014/main" id="{596F5E1D-9244-D7FB-2473-85F35DA42708}"/>
               </a:ext>
             </a:extLst>
           </p:cNvPr>
@@ -1862,7 +1862,7 @@
           <a:bodyPr/>
           <a:lstStyle/>
           <a:p>
-            <a:fld id="{80F40D13-DF5A-4B1F-A1FE-70350B806AB5}" type="slidenum">
+            <a:fld id="{C4B087D0-0B81-4C96-94E8-CF0D286E46A6}" type="slidenum">
               <a:rPr lang="zh-CN" altLang="en-US" smtClean="0"/>
               <a:t>‹#›</a:t>
             </a:fld>
@@ -1873,7 +1873,7 @@
     </p:spTree>
     <p:extLst>
       <p:ext uri="{BB962C8B-B14F-4D97-AF65-F5344CB8AC3E}">
-        <p14:creationId xmlns:p14="http://schemas.microsoft.com/office/powerpoint/2010/main" val="1726030752"/>
+        <p14:creationId xmlns:p14="http://schemas.microsoft.com/office/powerpoint/2010/main" val="1154558188"/>
       </p:ext>
     </p:extLst>
   </p:cSld>
@@ -1905,7 +1905,7 @@
           <p:cNvPr id="2" name="标题 1">
             <a:extLst>
               <a:ext uri="{FF2B5EF4-FFF2-40B4-BE49-F238E27FC236}">
-                <a16:creationId xmlns:a16="http://schemas.microsoft.com/office/drawing/2014/main" id="{0C14C6D4-0291-FE2C-2FBB-C0F1DB431911}"/>
+                <a16:creationId xmlns:a16="http://schemas.microsoft.com/office/drawing/2014/main" id="{B43BBCF9-BC35-BDFE-397C-F78B9C4A25DB}"/>
               </a:ext>
             </a:extLst>
           </p:cNvPr>
@@ -1933,7 +1933,7 @@
           <p:cNvPr id="3" name="日期占位符 2">
             <a:extLst>
               <a:ext uri="{FF2B5EF4-FFF2-40B4-BE49-F238E27FC236}">
-                <a16:creationId xmlns:a16="http://schemas.microsoft.com/office/drawing/2014/main" id="{AE1D0AB4-82AF-D64C-21BF-17670089675E}"/>
+                <a16:creationId xmlns:a16="http://schemas.microsoft.com/office/drawing/2014/main" id="{AFA72FC2-0424-4D1F-F655-20C357D42968}"/>
               </a:ext>
             </a:extLst>
           </p:cNvPr>
@@ -1949,7 +1949,7 @@
           <a:bodyPr/>
           <a:lstStyle/>
           <a:p>
-            <a:fld id="{756EEDF2-FE64-4632-8FE5-BDA38F889073}" type="datetimeFigureOut">
+            <a:fld id="{84A8B8A1-B28A-475D-B109-B4AE43F85810}" type="datetimeFigureOut">
               <a:rPr lang="zh-CN" altLang="en-US" smtClean="0"/>
               <a:t>2024/3/10</a:t>
             </a:fld>
@@ -1962,7 +1962,7 @@
           <p:cNvPr id="4" name="页脚占位符 3">
             <a:extLst>
               <a:ext uri="{FF2B5EF4-FFF2-40B4-BE49-F238E27FC236}">
-                <a16:creationId xmlns:a16="http://schemas.microsoft.com/office/drawing/2014/main" id="{31F5056D-BE78-1A4E-CEE6-BD2B62781BEA}"/>
+                <a16:creationId xmlns:a16="http://schemas.microsoft.com/office/drawing/2014/main" id="{FE9FEE71-AF98-EE35-FF1F-9605D0956248}"/>
               </a:ext>
             </a:extLst>
           </p:cNvPr>
@@ -1987,7 +1987,7 @@
           <p:cNvPr id="5" name="灯片编号占位符 4">
             <a:extLst>
               <a:ext uri="{FF2B5EF4-FFF2-40B4-BE49-F238E27FC236}">
-                <a16:creationId xmlns:a16="http://schemas.microsoft.com/office/drawing/2014/main" id="{883083A2-AEF5-6DF9-542C-31E0FD1D73ED}"/>
+                <a16:creationId xmlns:a16="http://schemas.microsoft.com/office/drawing/2014/main" id="{5F8E4329-3DD6-547B-2EF2-C13F2B0E8649}"/>
               </a:ext>
             </a:extLst>
           </p:cNvPr>
@@ -2003,7 +2003,7 @@
           <a:bodyPr/>
           <a:lstStyle/>
           <a:p>
-            <a:fld id="{80F40D13-DF5A-4B1F-A1FE-70350B806AB5}" type="slidenum">
+            <a:fld id="{C4B087D0-0B81-4C96-94E8-CF0D286E46A6}" type="slidenum">
               <a:rPr lang="zh-CN" altLang="en-US" smtClean="0"/>
               <a:t>‹#›</a:t>
             </a:fld>
@@ -2014,7 +2014,7 @@
     </p:spTree>
     <p:extLst>
       <p:ext uri="{BB962C8B-B14F-4D97-AF65-F5344CB8AC3E}">
-        <p14:creationId xmlns:p14="http://schemas.microsoft.com/office/powerpoint/2010/main" val="1464102422"/>
+        <p14:creationId xmlns:p14="http://schemas.microsoft.com/office/powerpoint/2010/main" val="378890936"/>
       </p:ext>
     </p:extLst>
   </p:cSld>
@@ -2046,7 +2046,7 @@
           <p:cNvPr id="2" name="日期占位符 1">
             <a:extLst>
               <a:ext uri="{FF2B5EF4-FFF2-40B4-BE49-F238E27FC236}">
-                <a16:creationId xmlns:a16="http://schemas.microsoft.com/office/drawing/2014/main" id="{E735ADAF-0126-5A07-8281-1448ECF7701B}"/>
+                <a16:creationId xmlns:a16="http://schemas.microsoft.com/office/drawing/2014/main" id="{54FC1979-247F-1222-321D-7BABDED900BA}"/>
               </a:ext>
             </a:extLst>
           </p:cNvPr>
@@ -2062,7 +2062,7 @@
           <a:bodyPr/>
           <a:lstStyle/>
           <a:p>
-            <a:fld id="{756EEDF2-FE64-4632-8FE5-BDA38F889073}" type="datetimeFigureOut">
+            <a:fld id="{84A8B8A1-B28A-475D-B109-B4AE43F85810}" type="datetimeFigureOut">
               <a:rPr lang="zh-CN" altLang="en-US" smtClean="0"/>
               <a:t>2024/3/10</a:t>
             </a:fld>
@@ -2075,7 +2075,7 @@
           <p:cNvPr id="3" name="页脚占位符 2">
             <a:extLst>
               <a:ext uri="{FF2B5EF4-FFF2-40B4-BE49-F238E27FC236}">
-                <a16:creationId xmlns:a16="http://schemas.microsoft.com/office/drawing/2014/main" id="{8BC44D01-F671-0D42-4C25-2A8978AEBAF0}"/>
+                <a16:creationId xmlns:a16="http://schemas.microsoft.com/office/drawing/2014/main" id="{5127A423-C119-4B7F-EC79-E94B27ADC0AB}"/>
               </a:ext>
             </a:extLst>
           </p:cNvPr>
@@ -2100,7 +2100,7 @@
           <p:cNvPr id="4" name="灯片编号占位符 3">
             <a:extLst>
               <a:ext uri="{FF2B5EF4-FFF2-40B4-BE49-F238E27FC236}">
-                <a16:creationId xmlns:a16="http://schemas.microsoft.com/office/drawing/2014/main" id="{DF3BF0AA-64A8-4C0E-C2E8-4C231C86F2CC}"/>
+                <a16:creationId xmlns:a16="http://schemas.microsoft.com/office/drawing/2014/main" id="{B07DDF65-7B91-D926-7E82-D506AA80D02F}"/>
               </a:ext>
             </a:extLst>
           </p:cNvPr>
@@ -2116,7 +2116,7 @@
           <a:bodyPr/>
           <a:lstStyle/>
           <a:p>
-            <a:fld id="{80F40D13-DF5A-4B1F-A1FE-70350B806AB5}" type="slidenum">
+            <a:fld id="{C4B087D0-0B81-4C96-94E8-CF0D286E46A6}" type="slidenum">
               <a:rPr lang="zh-CN" altLang="en-US" smtClean="0"/>
               <a:t>‹#›</a:t>
             </a:fld>
@@ -2127,7 +2127,7 @@
     </p:spTree>
     <p:extLst>
       <p:ext uri="{BB962C8B-B14F-4D97-AF65-F5344CB8AC3E}">
-        <p14:creationId xmlns:p14="http://schemas.microsoft.com/office/powerpoint/2010/main" val="988849107"/>
+        <p14:creationId xmlns:p14="http://schemas.microsoft.com/office/powerpoint/2010/main" val="1579780915"/>
       </p:ext>
     </p:extLst>
   </p:cSld>
@@ -2159,7 +2159,7 @@
           <p:cNvPr id="2" name="标题 1">
             <a:extLst>
               <a:ext uri="{FF2B5EF4-FFF2-40B4-BE49-F238E27FC236}">
-                <a16:creationId xmlns:a16="http://schemas.microsoft.com/office/drawing/2014/main" id="{EB1923C0-D918-ADBF-7DF8-348424C75451}"/>
+                <a16:creationId xmlns:a16="http://schemas.microsoft.com/office/drawing/2014/main" id="{DFC40D08-1BF7-818D-7175-4870CFEE88DE}"/>
               </a:ext>
             </a:extLst>
           </p:cNvPr>
@@ -2196,7 +2196,7 @@
           <p:cNvPr id="3" name="内容占位符 2">
             <a:extLst>
               <a:ext uri="{FF2B5EF4-FFF2-40B4-BE49-F238E27FC236}">
-                <a16:creationId xmlns:a16="http://schemas.microsoft.com/office/drawing/2014/main" id="{F92299AE-CEBF-016D-6CE6-BEA0435F8AD6}"/>
+                <a16:creationId xmlns:a16="http://schemas.microsoft.com/office/drawing/2014/main" id="{85CE0DB9-3B54-2EBE-997E-97C07890B32F}"/>
               </a:ext>
             </a:extLst>
           </p:cNvPr>
@@ -2286,7 +2286,7 @@
           <p:cNvPr id="4" name="文本占位符 3">
             <a:extLst>
               <a:ext uri="{FF2B5EF4-FFF2-40B4-BE49-F238E27FC236}">
-                <a16:creationId xmlns:a16="http://schemas.microsoft.com/office/drawing/2014/main" id="{4EC15174-C9F0-A28F-9162-E4E2474C4779}"/>
+                <a16:creationId xmlns:a16="http://schemas.microsoft.com/office/drawing/2014/main" id="{EDB28123-9607-653C-98F3-F588559DE8D9}"/>
               </a:ext>
             </a:extLst>
           </p:cNvPr>
@@ -2357,7 +2357,7 @@
           <p:cNvPr id="5" name="日期占位符 4">
             <a:extLst>
               <a:ext uri="{FF2B5EF4-FFF2-40B4-BE49-F238E27FC236}">
-                <a16:creationId xmlns:a16="http://schemas.microsoft.com/office/drawing/2014/main" id="{4641CF18-68D3-804C-A601-36E1C07EA4D4}"/>
+                <a16:creationId xmlns:a16="http://schemas.microsoft.com/office/drawing/2014/main" id="{DB8257E0-B433-9307-31EF-69D8BFD49F88}"/>
               </a:ext>
             </a:extLst>
           </p:cNvPr>
@@ -2373,7 +2373,7 @@
           <a:bodyPr/>
           <a:lstStyle/>
           <a:p>
-            <a:fld id="{756EEDF2-FE64-4632-8FE5-BDA38F889073}" type="datetimeFigureOut">
+            <a:fld id="{84A8B8A1-B28A-475D-B109-B4AE43F85810}" type="datetimeFigureOut">
               <a:rPr lang="zh-CN" altLang="en-US" smtClean="0"/>
               <a:t>2024/3/10</a:t>
             </a:fld>
@@ -2386,7 +2386,7 @@
           <p:cNvPr id="6" name="页脚占位符 5">
             <a:extLst>
               <a:ext uri="{FF2B5EF4-FFF2-40B4-BE49-F238E27FC236}">
-                <a16:creationId xmlns:a16="http://schemas.microsoft.com/office/drawing/2014/main" id="{35EF4749-A279-EFCA-187E-30CD0065BF10}"/>
+                <a16:creationId xmlns:a16="http://schemas.microsoft.com/office/drawing/2014/main" id="{D2E9E9BD-C338-2C5E-F2D2-248E5BED5488}"/>
               </a:ext>
             </a:extLst>
           </p:cNvPr>
@@ -2411,7 +2411,7 @@
           <p:cNvPr id="7" name="灯片编号占位符 6">
             <a:extLst>
               <a:ext uri="{FF2B5EF4-FFF2-40B4-BE49-F238E27FC236}">
-                <a16:creationId xmlns:a16="http://schemas.microsoft.com/office/drawing/2014/main" id="{D85162C7-85DE-C817-C01A-40D152000072}"/>
+                <a16:creationId xmlns:a16="http://schemas.microsoft.com/office/drawing/2014/main" id="{79DAAF45-4C31-C0B9-D986-B0FFADC601A0}"/>
               </a:ext>
             </a:extLst>
           </p:cNvPr>
@@ -2427,7 +2427,7 @@
           <a:bodyPr/>
           <a:lstStyle/>
           <a:p>
-            <a:fld id="{80F40D13-DF5A-4B1F-A1FE-70350B806AB5}" type="slidenum">
+            <a:fld id="{C4B087D0-0B81-4C96-94E8-CF0D286E46A6}" type="slidenum">
               <a:rPr lang="zh-CN" altLang="en-US" smtClean="0"/>
               <a:t>‹#›</a:t>
             </a:fld>
@@ -2438,7 +2438,7 @@
     </p:spTree>
     <p:extLst>
       <p:ext uri="{BB962C8B-B14F-4D97-AF65-F5344CB8AC3E}">
-        <p14:creationId xmlns:p14="http://schemas.microsoft.com/office/powerpoint/2010/main" val="2128014864"/>
+        <p14:creationId xmlns:p14="http://schemas.microsoft.com/office/powerpoint/2010/main" val="3537616272"/>
       </p:ext>
     </p:extLst>
   </p:cSld>
@@ -2470,7 +2470,7 @@
           <p:cNvPr id="2" name="标题 1">
             <a:extLst>
               <a:ext uri="{FF2B5EF4-FFF2-40B4-BE49-F238E27FC236}">
-                <a16:creationId xmlns:a16="http://schemas.microsoft.com/office/drawing/2014/main" id="{3C6764FE-C0D6-EF04-67FE-C96B6B7D0AB1}"/>
+                <a16:creationId xmlns:a16="http://schemas.microsoft.com/office/drawing/2014/main" id="{91F25EBA-A547-CC59-1D06-09FBBCCD1F07}"/>
               </a:ext>
             </a:extLst>
           </p:cNvPr>
@@ -2507,7 +2507,7 @@
           <p:cNvPr id="3" name="图片占位符 2">
             <a:extLst>
               <a:ext uri="{FF2B5EF4-FFF2-40B4-BE49-F238E27FC236}">
-                <a16:creationId xmlns:a16="http://schemas.microsoft.com/office/drawing/2014/main" id="{C14C9079-F9C2-13D9-1E90-8FEDF238AE5E}"/>
+                <a16:creationId xmlns:a16="http://schemas.microsoft.com/office/drawing/2014/main" id="{11A97492-11C0-9BA7-1042-8B90389A4023}"/>
               </a:ext>
             </a:extLst>
           </p:cNvPr>
@@ -2574,7 +2574,7 @@
           <p:cNvPr id="4" name="文本占位符 3">
             <a:extLst>
               <a:ext uri="{FF2B5EF4-FFF2-40B4-BE49-F238E27FC236}">
-                <a16:creationId xmlns:a16="http://schemas.microsoft.com/office/drawing/2014/main" id="{23BBDB71-1426-7E14-A597-E49504103A00}"/>
+                <a16:creationId xmlns:a16="http://schemas.microsoft.com/office/drawing/2014/main" id="{B6ED19B6-0F7E-5AFE-5FC2-D78E8B221566}"/>
               </a:ext>
             </a:extLst>
           </p:cNvPr>
@@ -2645,7 +2645,7 @@
           <p:cNvPr id="5" name="日期占位符 4">
             <a:extLst>
               <a:ext uri="{FF2B5EF4-FFF2-40B4-BE49-F238E27FC236}">
-                <a16:creationId xmlns:a16="http://schemas.microsoft.com/office/drawing/2014/main" id="{8B9DCBC5-7771-80B9-2694-548C121DE7E0}"/>
+                <a16:creationId xmlns:a16="http://schemas.microsoft.com/office/drawing/2014/main" id="{BA589AF3-FCFB-944E-0CE5-BD23074DA2DE}"/>
               </a:ext>
             </a:extLst>
           </p:cNvPr>
@@ -2661,7 +2661,7 @@
           <a:bodyPr/>
           <a:lstStyle/>
           <a:p>
-            <a:fld id="{756EEDF2-FE64-4632-8FE5-BDA38F889073}" type="datetimeFigureOut">
+            <a:fld id="{84A8B8A1-B28A-475D-B109-B4AE43F85810}" type="datetimeFigureOut">
               <a:rPr lang="zh-CN" altLang="en-US" smtClean="0"/>
               <a:t>2024/3/10</a:t>
             </a:fld>
@@ -2674,7 +2674,7 @@
           <p:cNvPr id="6" name="页脚占位符 5">
             <a:extLst>
               <a:ext uri="{FF2B5EF4-FFF2-40B4-BE49-F238E27FC236}">
-                <a16:creationId xmlns:a16="http://schemas.microsoft.com/office/drawing/2014/main" id="{D5C28D50-3774-D217-C023-6ABE97B4F68E}"/>
+                <a16:creationId xmlns:a16="http://schemas.microsoft.com/office/drawing/2014/main" id="{337A0FD1-7E9F-669B-E585-DB45110ECD4D}"/>
               </a:ext>
             </a:extLst>
           </p:cNvPr>
@@ -2699,7 +2699,7 @@
           <p:cNvPr id="7" name="灯片编号占位符 6">
             <a:extLst>
               <a:ext uri="{FF2B5EF4-FFF2-40B4-BE49-F238E27FC236}">
-                <a16:creationId xmlns:a16="http://schemas.microsoft.com/office/drawing/2014/main" id="{7FCC484F-1CF5-2EBD-A715-1E8721A24F06}"/>
+                <a16:creationId xmlns:a16="http://schemas.microsoft.com/office/drawing/2014/main" id="{22DAE836-2FEB-8B4D-6889-5C4AAA6A9B80}"/>
               </a:ext>
             </a:extLst>
           </p:cNvPr>
@@ -2715,7 +2715,7 @@
           <a:bodyPr/>
           <a:lstStyle/>
           <a:p>
-            <a:fld id="{80F40D13-DF5A-4B1F-A1FE-70350B806AB5}" type="slidenum">
+            <a:fld id="{C4B087D0-0B81-4C96-94E8-CF0D286E46A6}" type="slidenum">
               <a:rPr lang="zh-CN" altLang="en-US" smtClean="0"/>
               <a:t>‹#›</a:t>
             </a:fld>
@@ -2726,7 +2726,7 @@
     </p:spTree>
     <p:extLst>
       <p:ext uri="{BB962C8B-B14F-4D97-AF65-F5344CB8AC3E}">
-        <p14:creationId xmlns:p14="http://schemas.microsoft.com/office/powerpoint/2010/main" val="2772822494"/>
+        <p14:creationId xmlns:p14="http://schemas.microsoft.com/office/powerpoint/2010/main" val="678106303"/>
       </p:ext>
     </p:extLst>
   </p:cSld>
@@ -2763,7 +2763,7 @@
           <p:cNvPr id="2" name="标题占位符 1">
             <a:extLst>
               <a:ext uri="{FF2B5EF4-FFF2-40B4-BE49-F238E27FC236}">
-                <a16:creationId xmlns:a16="http://schemas.microsoft.com/office/drawing/2014/main" id="{F8DD1EB6-9AAF-79D0-8F2A-04CDA08E39C0}"/>
+                <a16:creationId xmlns:a16="http://schemas.microsoft.com/office/drawing/2014/main" id="{92E5F43D-FDAB-48EC-415D-E216A814A0A3}"/>
               </a:ext>
             </a:extLst>
           </p:cNvPr>
@@ -2801,7 +2801,7 @@
           <p:cNvPr id="3" name="文本占位符 2">
             <a:extLst>
               <a:ext uri="{FF2B5EF4-FFF2-40B4-BE49-F238E27FC236}">
-                <a16:creationId xmlns:a16="http://schemas.microsoft.com/office/drawing/2014/main" id="{18B2CCE5-637D-8736-C417-32AE4A28D0D2}"/>
+                <a16:creationId xmlns:a16="http://schemas.microsoft.com/office/drawing/2014/main" id="{1816C794-F018-964D-F484-613F17B86A7F}"/>
               </a:ext>
             </a:extLst>
           </p:cNvPr>
@@ -2868,7 +2868,7 @@
           <p:cNvPr id="4" name="日期占位符 3">
             <a:extLst>
               <a:ext uri="{FF2B5EF4-FFF2-40B4-BE49-F238E27FC236}">
-                <a16:creationId xmlns:a16="http://schemas.microsoft.com/office/drawing/2014/main" id="{AC57605B-635A-9A66-39CD-B356B75FC690}"/>
+                <a16:creationId xmlns:a16="http://schemas.microsoft.com/office/drawing/2014/main" id="{921D2092-6C94-9DC9-8902-CE3D728E8531}"/>
               </a:ext>
             </a:extLst>
           </p:cNvPr>
@@ -2902,7 +2902,7 @@
             </a:lvl1pPr>
           </a:lstStyle>
           <a:p>
-            <a:fld id="{756EEDF2-FE64-4632-8FE5-BDA38F889073}" type="datetimeFigureOut">
+            <a:fld id="{84A8B8A1-B28A-475D-B109-B4AE43F85810}" type="datetimeFigureOut">
               <a:rPr lang="zh-CN" altLang="en-US" smtClean="0"/>
               <a:t>2024/3/10</a:t>
             </a:fld>
@@ -2915,7 +2915,7 @@
           <p:cNvPr id="5" name="页脚占位符 4">
             <a:extLst>
               <a:ext uri="{FF2B5EF4-FFF2-40B4-BE49-F238E27FC236}">
-                <a16:creationId xmlns:a16="http://schemas.microsoft.com/office/drawing/2014/main" id="{ED290314-C146-BB75-D840-06A41A8B9F32}"/>
+                <a16:creationId xmlns:a16="http://schemas.microsoft.com/office/drawing/2014/main" id="{447296EB-12E3-0FC3-33B0-E247D755A66C}"/>
               </a:ext>
             </a:extLst>
           </p:cNvPr>
@@ -2958,7 +2958,7 @@
           <p:cNvPr id="6" name="灯片编号占位符 5">
             <a:extLst>
               <a:ext uri="{FF2B5EF4-FFF2-40B4-BE49-F238E27FC236}">
-                <a16:creationId xmlns:a16="http://schemas.microsoft.com/office/drawing/2014/main" id="{A8A07269-A27B-8699-CC79-AD7A9D08F788}"/>
+                <a16:creationId xmlns:a16="http://schemas.microsoft.com/office/drawing/2014/main" id="{90E0C654-0C90-A53A-C0DD-B3A8CE7CB4C7}"/>
               </a:ext>
             </a:extLst>
           </p:cNvPr>
@@ -2992,7 +2992,7 @@
             </a:lvl1pPr>
           </a:lstStyle>
           <a:p>
-            <a:fld id="{80F40D13-DF5A-4B1F-A1FE-70350B806AB5}" type="slidenum">
+            <a:fld id="{C4B087D0-0B81-4C96-94E8-CF0D286E46A6}" type="slidenum">
               <a:rPr lang="zh-CN" altLang="en-US" smtClean="0"/>
               <a:t>‹#›</a:t>
             </a:fld>
@@ -3003,7 +3003,7 @@
     </p:spTree>
     <p:extLst>
       <p:ext uri="{BB962C8B-B14F-4D97-AF65-F5344CB8AC3E}">
-        <p14:creationId xmlns:p14="http://schemas.microsoft.com/office/powerpoint/2010/main" val="3320269045"/>
+        <p14:creationId xmlns:p14="http://schemas.microsoft.com/office/powerpoint/2010/main" val="243859955"/>
       </p:ext>
     </p:extLst>
   </p:cSld>
